--- a/Day 2 Presentation.pptx
+++ b/Day 2 Presentation.pptx
@@ -8037,7 +8037,12 @@
             <p:ph idx="1"/>
           </p:nvPr>
         </p:nvSpPr>
-        <p:spPr/>
+        <p:spPr>
+          <a:xfrm>
+            <a:off x="914400" y="1152029"/>
+            <a:ext cx="7313613" cy="4056062"/>
+          </a:xfrm>
+        </p:spPr>
         <p:txBody>
           <a:bodyPr>
             <a:normAutofit lnSpcReduction="10000"/>
@@ -9570,14 +9575,12 @@
           </a:p>
           <a:p>
             <a:r>
+              <a:rPr lang="en-US" b="1" smtClean="0"/>
+              <a:t>Automatic </a:t>
+            </a:r>
+            <a:r>
               <a:rPr lang="en-US" b="1" dirty="0" smtClean="0"/>
-              <a:t>Efficiency of Experts</a:t>
-            </a:r>
-          </a:p>
-          <a:p>
-            <a:r>
-              <a:rPr lang="en-US" b="1" dirty="0" smtClean="0"/>
-              <a:t>Automatic software updates</a:t>
+              <a:t>software updates</a:t>
             </a:r>
             <a:endParaRPr lang="en-US" dirty="0"/>
           </a:p>
@@ -9981,67 +9984,6 @@
                       </p:childTnLst>
                     </p:cTn>
                   </p:par>
-                  <p:par>
-                    <p:cTn id="33" fill="hold">
-                      <p:stCondLst>
-                        <p:cond delay="indefinite"/>
-                      </p:stCondLst>
-                      <p:childTnLst>
-                        <p:par>
-                          <p:cTn id="34" fill="hold">
-                            <p:stCondLst>
-                              <p:cond delay="0"/>
-                            </p:stCondLst>
-                            <p:childTnLst>
-                              <p:par>
-                                <p:cTn id="35" presetID="3" presetClass="entr" presetSubtype="10" fill="hold" nodeType="clickEffect">
-                                  <p:stCondLst>
-                                    <p:cond delay="0"/>
-                                  </p:stCondLst>
-                                  <p:childTnLst>
-                                    <p:set>
-                                      <p:cBhvr>
-                                        <p:cTn id="36" dur="1" fill="hold">
-                                          <p:stCondLst>
-                                            <p:cond delay="0"/>
-                                          </p:stCondLst>
-                                        </p:cTn>
-                                        <p:tgtEl>
-                                          <p:spTgt spid="3">
-                                            <p:txEl>
-                                              <p:pRg st="6" end="6"/>
-                                            </p:txEl>
-                                          </p:spTgt>
-                                        </p:tgtEl>
-                                        <p:attrNameLst>
-                                          <p:attrName>style.visibility</p:attrName>
-                                        </p:attrNameLst>
-                                      </p:cBhvr>
-                                      <p:to>
-                                        <p:strVal val="visible"/>
-                                      </p:to>
-                                    </p:set>
-                                    <p:animEffect transition="in" filter="blinds(horizontal)">
-                                      <p:cBhvr>
-                                        <p:cTn id="37" dur="500"/>
-                                        <p:tgtEl>
-                                          <p:spTgt spid="3">
-                                            <p:txEl>
-                                              <p:pRg st="6" end="6"/>
-                                            </p:txEl>
-                                          </p:spTgt>
-                                        </p:tgtEl>
-                                      </p:cBhvr>
-                                    </p:animEffect>
-                                  </p:childTnLst>
-                                </p:cTn>
-                              </p:par>
-                            </p:childTnLst>
-                          </p:cTn>
-                        </p:par>
-                      </p:childTnLst>
-                    </p:cTn>
-                  </p:par>
                 </p:childTnLst>
               </p:cTn>
               <p:prevCondLst>
@@ -10099,6 +10041,21 @@
           <a:bodyPr/>
           <a:lstStyle/>
           <a:p>
+            <a:r>
+              <a:rPr lang="en-US" dirty="0" smtClean="0"/>
+              <a:t>Benefits of </a:t>
+            </a:r>
+            <a:r>
+              <a:rPr lang="en-US" dirty="0" smtClean="0"/>
+              <a:t>C</a:t>
+            </a:r>
+            <a:r>
+              <a:rPr lang="en-US" dirty="0" smtClean="0"/>
+              <a:t>loud </a:t>
+            </a:r>
+            <a:br>
+              <a:rPr lang="en-US" dirty="0" smtClean="0"/>
+            </a:br>
             <a:r>
               <a:rPr lang="en-US" dirty="0" smtClean="0"/>
               <a:t>POV</a:t>

--- a/Day 2 Presentation.pptx
+++ b/Day 2 Presentation.pptx
@@ -197,7 +197,7 @@
           <a:p>
             <a:fld id="{56CA1A69-3312-4447-A930-93B68A630D98}" type="datetimeFigureOut">
               <a:rPr lang="en-US" smtClean="0"/>
-              <a:t>27/10/2014</a:t>
+              <a:t>28/10/2014</a:t>
             </a:fld>
             <a:endParaRPr lang="en-US"/>
           </a:p>
@@ -954,7 +954,7 @@
           <a:p>
             <a:fld id="{B4F83B7D-30DB-224E-AB0C-3373A751CE93}" type="datetimeFigureOut">
               <a:rPr lang="en-US" smtClean="0"/>
-              <a:t>27/10/2014</a:t>
+              <a:t>28/10/2014</a:t>
             </a:fld>
             <a:endParaRPr lang="en-US"/>
           </a:p>
@@ -1099,7 +1099,7 @@
           <a:p>
             <a:fld id="{B4F83B7D-30DB-224E-AB0C-3373A751CE93}" type="datetimeFigureOut">
               <a:rPr lang="en-US" smtClean="0"/>
-              <a:t>27/10/2014</a:t>
+              <a:t>28/10/2014</a:t>
             </a:fld>
             <a:endParaRPr lang="en-US"/>
           </a:p>
@@ -1556,7 +1556,7 @@
           <a:p>
             <a:fld id="{B4F83B7D-30DB-224E-AB0C-3373A751CE93}" type="datetimeFigureOut">
               <a:rPr lang="en-US" smtClean="0"/>
-              <a:t>27/10/2014</a:t>
+              <a:t>28/10/2014</a:t>
             </a:fld>
             <a:endParaRPr lang="en-US"/>
           </a:p>
@@ -1924,7 +1924,7 @@
           <a:p>
             <a:fld id="{B4F83B7D-30DB-224E-AB0C-3373A751CE93}" type="datetimeFigureOut">
               <a:rPr lang="en-US" smtClean="0"/>
-              <a:t>27/10/2014</a:t>
+              <a:t>28/10/2014</a:t>
             </a:fld>
             <a:endParaRPr lang="en-US"/>
           </a:p>
@@ -2014,7 +2014,7 @@
           <a:p>
             <a:fld id="{B4F83B7D-30DB-224E-AB0C-3373A751CE93}" type="datetimeFigureOut">
               <a:rPr lang="en-US" smtClean="0"/>
-              <a:t>27/10/2014</a:t>
+              <a:t>28/10/2014</a:t>
             </a:fld>
             <a:endParaRPr lang="en-US"/>
           </a:p>
@@ -2292,7 +2292,7 @@
           <a:p>
             <a:fld id="{B4F83B7D-30DB-224E-AB0C-3373A751CE93}" type="datetimeFigureOut">
               <a:rPr lang="en-US" smtClean="0"/>
-              <a:t>27/10/2014</a:t>
+              <a:t>28/10/2014</a:t>
             </a:fld>
             <a:endParaRPr lang="en-US"/>
           </a:p>
@@ -2485,7 +2485,7 @@
           <a:p>
             <a:fld id="{B4F83B7D-30DB-224E-AB0C-3373A751CE93}" type="datetimeFigureOut">
               <a:rPr lang="en-US" smtClean="0"/>
-              <a:t>27/10/2014</a:t>
+              <a:t>28/10/2014</a:t>
             </a:fld>
             <a:endParaRPr lang="en-US"/>
           </a:p>
@@ -3227,7 +3227,7 @@
           <a:p>
             <a:fld id="{B4F83B7D-30DB-224E-AB0C-3373A751CE93}" type="datetimeFigureOut">
               <a:rPr lang="en-US" smtClean="0"/>
-              <a:t>27/10/2014</a:t>
+              <a:t>28/10/2014</a:t>
             </a:fld>
             <a:endParaRPr lang="en-US"/>
           </a:p>
@@ -3565,7 +3565,7 @@
           <a:p>
             <a:fld id="{B4F83B7D-30DB-224E-AB0C-3373A751CE93}" type="datetimeFigureOut">
               <a:rPr lang="en-US" smtClean="0"/>
-              <a:t>27/10/2014</a:t>
+              <a:t>28/10/2014</a:t>
             </a:fld>
             <a:endParaRPr lang="en-US"/>
           </a:p>
@@ -4162,7 +4162,7 @@
           <a:p>
             <a:fld id="{B4F83B7D-30DB-224E-AB0C-3373A751CE93}" type="datetimeFigureOut">
               <a:rPr lang="en-US" smtClean="0"/>
-              <a:t>27/10/2014</a:t>
+              <a:t>28/10/2014</a:t>
             </a:fld>
             <a:endParaRPr lang="en-US"/>
           </a:p>
@@ -4345,7 +4345,7 @@
           <a:p>
             <a:fld id="{B4F83B7D-30DB-224E-AB0C-3373A751CE93}" type="datetimeFigureOut">
               <a:rPr lang="en-US" smtClean="0"/>
-              <a:t>27/10/2014</a:t>
+              <a:t>28/10/2014</a:t>
             </a:fld>
             <a:endParaRPr lang="en-US"/>
           </a:p>
@@ -4514,7 +4514,7 @@
           <a:p>
             <a:fld id="{B4F83B7D-30DB-224E-AB0C-3373A751CE93}" type="datetimeFigureOut">
               <a:rPr lang="en-US" smtClean="0"/>
-              <a:t>27/10/2014</a:t>
+              <a:t>28/10/2014</a:t>
             </a:fld>
             <a:endParaRPr lang="en-US"/>
           </a:p>
@@ -4707,7 +4707,7 @@
           <a:p>
             <a:fld id="{B4F83B7D-30DB-224E-AB0C-3373A751CE93}" type="datetimeFigureOut">
               <a:rPr lang="en-US" smtClean="0"/>
-              <a:t>27/10/2014</a:t>
+              <a:t>28/10/2014</a:t>
             </a:fld>
             <a:endParaRPr lang="en-US"/>
           </a:p>
@@ -5126,7 +5126,7 @@
           <a:p>
             <a:fld id="{B4F83B7D-30DB-224E-AB0C-3373A751CE93}" type="datetimeFigureOut">
               <a:rPr lang="en-US" smtClean="0"/>
-              <a:t>27/10/2014</a:t>
+              <a:t>28/10/2014</a:t>
             </a:fld>
             <a:endParaRPr lang="en-US"/>
           </a:p>
@@ -5424,7 +5424,7 @@
           <a:p>
             <a:fld id="{B4F83B7D-30DB-224E-AB0C-3373A751CE93}" type="datetimeFigureOut">
               <a:rPr lang="en-US" smtClean="0"/>
-              <a:t>27/10/2014</a:t>
+              <a:t>28/10/2014</a:t>
             </a:fld>
             <a:endParaRPr lang="en-US"/>
           </a:p>
@@ -5825,7 +5825,7 @@
           <a:p>
             <a:fld id="{B4F83B7D-30DB-224E-AB0C-3373A751CE93}" type="datetimeFigureOut">
               <a:rPr lang="en-US" smtClean="0"/>
-              <a:t>27/10/2014</a:t>
+              <a:t>28/10/2014</a:t>
             </a:fld>
             <a:endParaRPr lang="en-US"/>
           </a:p>
@@ -6215,7 +6215,7 @@
           <a:p>
             <a:fld id="{B4F83B7D-30DB-224E-AB0C-3373A751CE93}" type="datetimeFigureOut">
               <a:rPr lang="en-US" smtClean="0"/>
-              <a:t>27/10/2014</a:t>
+              <a:t>28/10/2014</a:t>
             </a:fld>
             <a:endParaRPr lang="en-US"/>
           </a:p>
@@ -6498,7 +6498,7 @@
           <a:p>
             <a:fld id="{B4F83B7D-30DB-224E-AB0C-3373A751CE93}" type="datetimeFigureOut">
               <a:rPr lang="en-US" smtClean="0"/>
-              <a:t>27/10/2014</a:t>
+              <a:t>28/10/2014</a:t>
             </a:fld>
             <a:endParaRPr lang="en-US"/>
           </a:p>
@@ -6937,7 +6937,7 @@
           <a:p>
             <a:fld id="{B4F83B7D-30DB-224E-AB0C-3373A751CE93}" type="datetimeFigureOut">
               <a:rPr lang="en-US" smtClean="0"/>
-              <a:t>27/10/2014</a:t>
+              <a:t>28/10/2014</a:t>
             </a:fld>
             <a:endParaRPr lang="en-US"/>
           </a:p>
@@ -7231,7 +7231,7 @@
           <a:p>
             <a:fld id="{B4F83B7D-30DB-224E-AB0C-3373A751CE93}" type="datetimeFigureOut">
               <a:rPr lang="en-US" smtClean="0"/>
-              <a:t>27/10/2014</a:t>
+              <a:t>28/10/2014</a:t>
             </a:fld>
             <a:endParaRPr lang="en-US"/>
           </a:p>
@@ -7523,7 +7523,7 @@
           <a:p>
             <a:fld id="{B4F83B7D-30DB-224E-AB0C-3373A751CE93}" type="datetimeFigureOut">
               <a:rPr lang="en-US" smtClean="0"/>
-              <a:t>27/10/2014</a:t>
+              <a:t>28/10/2014</a:t>
             </a:fld>
             <a:endParaRPr lang="en-US"/>
           </a:p>
@@ -7967,6 +7967,37 @@
           </a:p>
         </p:txBody>
       </p:sp>
+      <p:sp>
+        <p:nvSpPr>
+          <p:cNvPr id="3" name="TextBox 2"/>
+          <p:cNvSpPr txBox="1"/>
+          <p:nvPr/>
+        </p:nvSpPr>
+        <p:spPr>
+          <a:xfrm>
+            <a:off x="1204819" y="2577007"/>
+            <a:ext cx="6284592" cy="1323439"/>
+          </a:xfrm>
+          <a:prstGeom prst="rect">
+            <a:avLst/>
+          </a:prstGeom>
+          <a:noFill/>
+        </p:spPr>
+        <p:txBody>
+          <a:bodyPr wrap="square" rtlCol="0">
+            <a:spAutoFit/>
+          </a:bodyPr>
+          <a:lstStyle/>
+          <a:p>
+            <a:pPr algn="ctr"/>
+            <a:r>
+              <a:rPr lang="en-US" sz="8000" dirty="0" err="1" smtClean="0"/>
+              <a:t>webT</a:t>
+            </a:r>
+            <a:endParaRPr lang="en-US" sz="8000" dirty="0"/>
+          </a:p>
+        </p:txBody>
+      </p:sp>
     </p:spTree>
     <p:extLst>
       <p:ext uri="{BB962C8B-B14F-4D97-AF65-F5344CB8AC3E}">
@@ -8040,15 +8071,18 @@
         <p:spPr>
           <a:xfrm>
             <a:off x="914400" y="1152029"/>
-            <a:ext cx="7313613" cy="4056062"/>
+            <a:ext cx="7313613" cy="3569205"/>
           </a:xfrm>
         </p:spPr>
         <p:txBody>
-          <a:bodyPr>
-            <a:normAutofit lnSpcReduction="10000"/>
+          <a:bodyPr numCol="2">
+            <a:normAutofit/>
           </a:bodyPr>
           <a:lstStyle/>
           <a:p>
+            <a:pPr marL="0" indent="0">
+              <a:buNone/>
+            </a:pPr>
             <a:endParaRPr lang="en-US" dirty="0" smtClean="0"/>
           </a:p>
           <a:p>
@@ -8090,16 +8124,32 @@
             </a:r>
           </a:p>
           <a:p>
+            <a:endParaRPr lang="en-US" dirty="0" smtClean="0"/>
+          </a:p>
+          <a:p>
             <a:r>
               <a:rPr lang="en-US" dirty="0" smtClean="0"/>
               <a:t>Version Control</a:t>
             </a:r>
           </a:p>
           <a:p>
+            <a:r>
+              <a:rPr lang="en-US" dirty="0" smtClean="0"/>
+              <a:t>Creating user stories</a:t>
+            </a:r>
+          </a:p>
+          <a:p>
+            <a:r>
+              <a:rPr lang="en-US" dirty="0" smtClean="0"/>
+              <a:t>Back-up strategies</a:t>
+            </a:r>
+          </a:p>
+          <a:p>
+            <a:r>
+              <a:rPr lang="en-US" dirty="0" smtClean="0"/>
+              <a:t>Daily Scrums</a:t>
+            </a:r>
             <a:endParaRPr lang="en-US" dirty="0" smtClean="0"/>
-          </a:p>
-          <a:p>
-            <a:endParaRPr lang="en-US" dirty="0"/>
           </a:p>
         </p:txBody>
       </p:sp>
@@ -8454,7 +8504,7 @@
                                         <p:tgtEl>
                                           <p:spTgt spid="3">
                                             <p:txEl>
-                                              <p:pRg st="6" end="6"/>
+                                              <p:pRg st="7" end="7"/>
                                             </p:txEl>
                                           </p:spTgt>
                                         </p:tgtEl>
@@ -8472,7 +8522,190 @@
                                         <p:tgtEl>
                                           <p:spTgt spid="3">
                                             <p:txEl>
-                                              <p:pRg st="6" end="6"/>
+                                              <p:pRg st="7" end="7"/>
+                                            </p:txEl>
+                                          </p:spTgt>
+                                        </p:tgtEl>
+                                      </p:cBhvr>
+                                    </p:animEffect>
+                                  </p:childTnLst>
+                                </p:cTn>
+                              </p:par>
+                            </p:childTnLst>
+                          </p:cTn>
+                        </p:par>
+                      </p:childTnLst>
+                    </p:cTn>
+                  </p:par>
+                  <p:par>
+                    <p:cTn id="33" fill="hold">
+                      <p:stCondLst>
+                        <p:cond delay="indefinite"/>
+                      </p:stCondLst>
+                      <p:childTnLst>
+                        <p:par>
+                          <p:cTn id="34" fill="hold">
+                            <p:stCondLst>
+                              <p:cond delay="0"/>
+                            </p:stCondLst>
+                            <p:childTnLst>
+                              <p:par>
+                                <p:cTn id="35" presetID="3" presetClass="entr" presetSubtype="10" fill="hold" nodeType="clickEffect">
+                                  <p:stCondLst>
+                                    <p:cond delay="0"/>
+                                  </p:stCondLst>
+                                  <p:childTnLst>
+                                    <p:set>
+                                      <p:cBhvr>
+                                        <p:cTn id="36" dur="1" fill="hold">
+                                          <p:stCondLst>
+                                            <p:cond delay="0"/>
+                                          </p:stCondLst>
+                                        </p:cTn>
+                                        <p:tgtEl>
+                                          <p:spTgt spid="3">
+                                            <p:txEl>
+                                              <p:pRg st="8" end="8"/>
+                                            </p:txEl>
+                                          </p:spTgt>
+                                        </p:tgtEl>
+                                        <p:attrNameLst>
+                                          <p:attrName>style.visibility</p:attrName>
+                                        </p:attrNameLst>
+                                      </p:cBhvr>
+                                      <p:to>
+                                        <p:strVal val="visible"/>
+                                      </p:to>
+                                    </p:set>
+                                    <p:animEffect transition="in" filter="blinds(horizontal)">
+                                      <p:cBhvr>
+                                        <p:cTn id="37" dur="500"/>
+                                        <p:tgtEl>
+                                          <p:spTgt spid="3">
+                                            <p:txEl>
+                                              <p:pRg st="8" end="8"/>
+                                            </p:txEl>
+                                          </p:spTgt>
+                                        </p:tgtEl>
+                                      </p:cBhvr>
+                                    </p:animEffect>
+                                  </p:childTnLst>
+                                </p:cTn>
+                              </p:par>
+                            </p:childTnLst>
+                          </p:cTn>
+                        </p:par>
+                      </p:childTnLst>
+                    </p:cTn>
+                  </p:par>
+                  <p:par>
+                    <p:cTn id="38" fill="hold">
+                      <p:stCondLst>
+                        <p:cond delay="indefinite"/>
+                      </p:stCondLst>
+                      <p:childTnLst>
+                        <p:par>
+                          <p:cTn id="39" fill="hold">
+                            <p:stCondLst>
+                              <p:cond delay="0"/>
+                            </p:stCondLst>
+                            <p:childTnLst>
+                              <p:par>
+                                <p:cTn id="40" presetID="3" presetClass="entr" presetSubtype="10" fill="hold" nodeType="clickEffect">
+                                  <p:stCondLst>
+                                    <p:cond delay="0"/>
+                                  </p:stCondLst>
+                                  <p:childTnLst>
+                                    <p:set>
+                                      <p:cBhvr>
+                                        <p:cTn id="41" dur="1" fill="hold">
+                                          <p:stCondLst>
+                                            <p:cond delay="0"/>
+                                          </p:stCondLst>
+                                        </p:cTn>
+                                        <p:tgtEl>
+                                          <p:spTgt spid="3">
+                                            <p:txEl>
+                                              <p:pRg st="9" end="9"/>
+                                            </p:txEl>
+                                          </p:spTgt>
+                                        </p:tgtEl>
+                                        <p:attrNameLst>
+                                          <p:attrName>style.visibility</p:attrName>
+                                        </p:attrNameLst>
+                                      </p:cBhvr>
+                                      <p:to>
+                                        <p:strVal val="visible"/>
+                                      </p:to>
+                                    </p:set>
+                                    <p:animEffect transition="in" filter="blinds(horizontal)">
+                                      <p:cBhvr>
+                                        <p:cTn id="42" dur="500"/>
+                                        <p:tgtEl>
+                                          <p:spTgt spid="3">
+                                            <p:txEl>
+                                              <p:pRg st="9" end="9"/>
+                                            </p:txEl>
+                                          </p:spTgt>
+                                        </p:tgtEl>
+                                      </p:cBhvr>
+                                    </p:animEffect>
+                                  </p:childTnLst>
+                                </p:cTn>
+                              </p:par>
+                            </p:childTnLst>
+                          </p:cTn>
+                        </p:par>
+                      </p:childTnLst>
+                    </p:cTn>
+                  </p:par>
+                  <p:par>
+                    <p:cTn id="43" fill="hold">
+                      <p:stCondLst>
+                        <p:cond delay="indefinite"/>
+                      </p:stCondLst>
+                      <p:childTnLst>
+                        <p:par>
+                          <p:cTn id="44" fill="hold">
+                            <p:stCondLst>
+                              <p:cond delay="0"/>
+                            </p:stCondLst>
+                            <p:childTnLst>
+                              <p:par>
+                                <p:cTn id="45" presetID="3" presetClass="entr" presetSubtype="10" fill="hold" nodeType="clickEffect">
+                                  <p:stCondLst>
+                                    <p:cond delay="0"/>
+                                  </p:stCondLst>
+                                  <p:childTnLst>
+                                    <p:set>
+                                      <p:cBhvr>
+                                        <p:cTn id="46" dur="1" fill="hold">
+                                          <p:stCondLst>
+                                            <p:cond delay="0"/>
+                                          </p:stCondLst>
+                                        </p:cTn>
+                                        <p:tgtEl>
+                                          <p:spTgt spid="3">
+                                            <p:txEl>
+                                              <p:pRg st="10" end="10"/>
+                                            </p:txEl>
+                                          </p:spTgt>
+                                        </p:tgtEl>
+                                        <p:attrNameLst>
+                                          <p:attrName>style.visibility</p:attrName>
+                                        </p:attrNameLst>
+                                      </p:cBhvr>
+                                      <p:to>
+                                        <p:strVal val="visible"/>
+                                      </p:to>
+                                    </p:set>
+                                    <p:animEffect transition="in" filter="blinds(horizontal)">
+                                      <p:cBhvr>
+                                        <p:cTn id="47" dur="500"/>
+                                        <p:tgtEl>
+                                          <p:spTgt spid="3">
+                                            <p:txEl>
+                                              <p:pRg st="10" end="10"/>
                                             </p:txEl>
                                           </p:spTgt>
                                         </p:tgtEl>
@@ -9575,12 +9808,8 @@
           </a:p>
           <a:p>
             <a:r>
-              <a:rPr lang="en-US" b="1" smtClean="0"/>
-              <a:t>Automatic </a:t>
-            </a:r>
-            <a:r>
               <a:rPr lang="en-US" b="1" dirty="0" smtClean="0"/>
-              <a:t>software updates</a:t>
+              <a:t>Automatic software updates</a:t>
             </a:r>
             <a:endParaRPr lang="en-US" dirty="0"/>
           </a:p>
@@ -10043,15 +10272,7 @@
           <a:p>
             <a:r>
               <a:rPr lang="en-US" dirty="0" smtClean="0"/>
-              <a:t>Benefits of </a:t>
-            </a:r>
-            <a:r>
-              <a:rPr lang="en-US" dirty="0" smtClean="0"/>
-              <a:t>C</a:t>
-            </a:r>
-            <a:r>
-              <a:rPr lang="en-US" dirty="0" smtClean="0"/>
-              <a:t>loud </a:t>
+              <a:t>Benefits of Cloud </a:t>
             </a:r>
             <a:br>
               <a:rPr lang="en-US" dirty="0" smtClean="0"/>
